--- a/1-1 Introduction to Web App.pptx
+++ b/1-1 Introduction to Web App.pptx
@@ -205,7 +205,7 @@
           <a:p>
             <a:fld id="{24D9C2C1-1AE5-400D-A5EB-066F8CD0193A}" type="datetimeFigureOut">
               <a:rPr lang="en-US" smtClean="0"/>
-              <a:t>7/25/2017</a:t>
+              <a:t>7/26/2017</a:t>
             </a:fld>
             <a:endParaRPr lang="en-US"/>
           </a:p>
@@ -547,15 +547,7 @@
           <a:p>
             <a:r>
               <a:rPr lang="es-ES" dirty="0"/>
-              <a:t>Este curso será </a:t>
-            </a:r>
-            <a:r>
-              <a:rPr lang="es-ES"/>
-              <a:t>en inglés, </a:t>
-            </a:r>
-            <a:r>
-              <a:rPr lang="es-ES" dirty="0"/>
-              <a:t>(This course will be in English,)</a:t>
+              <a:t>Este curso será en inglés, (This course will be in English,)</a:t>
             </a:r>
           </a:p>
           <a:p>
@@ -617,6 +609,22 @@
             <a:r>
               <a:rPr lang="en-US" dirty="0"/>
               <a:t>Moreover, I want you to be interested in IT, by creating a handy program by yourselves.</a:t>
+            </a:r>
+          </a:p>
+          <a:p>
+            <a:r>
+              <a:rPr lang="en-US" dirty="0" err="1"/>
+              <a:t>ChatBot</a:t>
+            </a:r>
+            <a:r>
+              <a:rPr lang="en-US" dirty="0"/>
+              <a:t> belongs to Web app.</a:t>
+            </a:r>
+          </a:p>
+          <a:p>
+            <a:r>
+              <a:rPr lang="en-US" dirty="0"/>
+              <a:t>You may don’t know what is Web app, but I believe you already knew what is the Internet.</a:t>
             </a:r>
           </a:p>
         </p:txBody>
@@ -703,7 +711,39 @@
           <a:p>
             <a:r>
               <a:rPr lang="en-US" dirty="0"/>
-              <a:t>The Internet is like </a:t>
+              <a:t>I am sure </a:t>
+            </a:r>
+            <a:r>
+              <a:rPr lang="en-US" dirty="0" err="1"/>
+              <a:t>thayou</a:t>
+            </a:r>
+            <a:r>
+              <a:rPr lang="en-US" dirty="0"/>
+              <a:t> use the Internet everyday,</a:t>
+            </a:r>
+          </a:p>
+          <a:p>
+            <a:r>
+              <a:rPr lang="en-US" dirty="0"/>
+              <a:t>with your laptop or smartphone.</a:t>
+            </a:r>
+          </a:p>
+          <a:p>
+            <a:r>
+              <a:rPr lang="en-US" dirty="0"/>
+              <a:t>However, what is happen….?</a:t>
+            </a:r>
+          </a:p>
+          <a:p>
+            <a:r>
+              <a:rPr lang="en-US" dirty="0"/>
+              <a:t>The Internet is global system of computer networks.</a:t>
+            </a:r>
+          </a:p>
+          <a:p>
+            <a:r>
+              <a:rPr lang="en-US" dirty="0"/>
+              <a:t>The Web also called World Wide Web, is space where information like documents are identified by Uniform Resource Locators (URLs), and can be accessed via the Internet.</a:t>
             </a:r>
           </a:p>
           <a:p>
@@ -715,7 +755,49 @@
           <a:p>
             <a:r>
               <a:rPr lang="en-US" dirty="0"/>
-              <a:t>https://opentutorials.org/course/1688/9408</a:t>
+              <a:t>Next concept.</a:t>
+            </a:r>
+          </a:p>
+          <a:p>
+            <a:r>
+              <a:rPr lang="en-US" dirty="0"/>
+              <a:t>Have you heard about ‘server’?</a:t>
+            </a:r>
+          </a:p>
+          <a:p>
+            <a:r>
+              <a:rPr lang="en-US" dirty="0"/>
+              <a:t>There are 2 roles on the Internet, the one is client that Web browser is installed, another is called server and Web server is installed.</a:t>
+            </a:r>
+          </a:p>
+          <a:p>
+            <a:r>
+              <a:rPr lang="en-US" dirty="0"/>
+              <a:t>All the information of Web site you visit is stored in the Web server.</a:t>
+            </a:r>
+          </a:p>
+          <a:p>
+            <a:r>
+              <a:rPr lang="en-US" dirty="0"/>
+              <a:t>When client want to visit a Web site, client ‘request’ the info. of that site,</a:t>
+            </a:r>
+          </a:p>
+          <a:p>
+            <a:r>
+              <a:rPr lang="en-US" dirty="0"/>
+              <a:t>server find that exact web page from their storage,</a:t>
+            </a:r>
+          </a:p>
+          <a:p>
+            <a:r>
+              <a:rPr lang="en-US" dirty="0"/>
+              <a:t>and server respond to the client.</a:t>
+            </a:r>
+          </a:p>
+          <a:p>
+            <a:r>
+              <a:rPr lang="en-US" dirty="0"/>
+              <a:t>https://opentutorials.org/courset /1688/9408</a:t>
             </a:r>
           </a:p>
         </p:txBody>
@@ -814,7 +896,7 @@
           <a:p>
             <a:r>
               <a:rPr lang="en-US" dirty="0"/>
-              <a:t>Imagine. Google home page, it looks quite simple.</a:t>
+              <a:t>You can see Google home page, it looks quite simple.</a:t>
             </a:r>
           </a:p>
           <a:p>
@@ -953,13 +1035,8 @@
           <a:p>
             <a:r>
               <a:rPr lang="en-US" dirty="0"/>
-              <a:t>I </a:t>
-            </a:r>
-            <a:r>
-              <a:rPr lang="en-US"/>
-              <a:t>will tell you how to </a:t>
-            </a:r>
-            <a:endParaRPr lang="en-US" dirty="0"/>
+              <a:t>Used Siri in iPhone. </a:t>
+            </a:r>
           </a:p>
           <a:p>
             <a:r>
@@ -1053,7 +1130,7 @@
           <a:bodyPr/>
           <a:lstStyle/>
           <a:p>
-            <a:endParaRPr lang="en-US"/>
+            <a:endParaRPr lang="en-US" dirty="0"/>
           </a:p>
         </p:txBody>
       </p:sp>
@@ -1256,7 +1333,7 @@
           <a:p>
             <a:fld id="{28228D27-3615-4DD6-AB3B-3F69A363CBB9}" type="datetime1">
               <a:rPr lang="en-US" smtClean="0"/>
-              <a:t>7/25/2017</a:t>
+              <a:t>7/26/2017</a:t>
             </a:fld>
             <a:endParaRPr lang="en-US"/>
           </a:p>
@@ -1431,7 +1508,7 @@
           <a:p>
             <a:fld id="{E8F888A4-2EAE-499D-9024-D0FD39BFCCA3}" type="datetime1">
               <a:rPr lang="en-US" smtClean="0"/>
-              <a:t>7/25/2017</a:t>
+              <a:t>7/26/2017</a:t>
             </a:fld>
             <a:endParaRPr lang="en-US"/>
           </a:p>
@@ -1611,7 +1688,7 @@
           <a:p>
             <a:fld id="{7CB4C293-641D-4945-8A11-39FA73448135}" type="datetime1">
               <a:rPr lang="en-US" smtClean="0"/>
-              <a:t>7/25/2017</a:t>
+              <a:t>7/26/2017</a:t>
             </a:fld>
             <a:endParaRPr lang="en-US"/>
           </a:p>
@@ -1781,7 +1858,7 @@
           <a:p>
             <a:fld id="{C3A02A82-34B0-484A-B225-08FB9180F46A}" type="datetime1">
               <a:rPr lang="en-US" smtClean="0"/>
-              <a:t>7/25/2017</a:t>
+              <a:t>7/26/2017</a:t>
             </a:fld>
             <a:endParaRPr lang="en-US"/>
           </a:p>
@@ -2049,7 +2126,7 @@
           <a:p>
             <a:fld id="{76EAB44F-F4A9-4FE2-B11F-A4F6B958B9F5}" type="datetime1">
               <a:rPr lang="en-US" smtClean="0"/>
-              <a:t>7/25/2017</a:t>
+              <a:t>7/26/2017</a:t>
             </a:fld>
             <a:endParaRPr lang="en-US"/>
           </a:p>
@@ -2281,7 +2358,7 @@
           <a:p>
             <a:fld id="{98FD99AF-411D-4C2C-BAC2-FFFB6B8FDB7C}" type="datetime1">
               <a:rPr lang="en-US" smtClean="0"/>
-              <a:t>7/25/2017</a:t>
+              <a:t>7/26/2017</a:t>
             </a:fld>
             <a:endParaRPr lang="en-US"/>
           </a:p>
@@ -2640,7 +2717,7 @@
           <a:p>
             <a:fld id="{C60FA464-8AD1-459E-9F09-15FC0EFB5661}" type="datetime1">
               <a:rPr lang="en-US" smtClean="0"/>
-              <a:t>7/25/2017</a:t>
+              <a:t>7/26/2017</a:t>
             </a:fld>
             <a:endParaRPr lang="en-US"/>
           </a:p>
@@ -2781,7 +2858,7 @@
           <a:p>
             <a:fld id="{739C9D4E-1E01-4F66-9F1E-9A5324C65EF3}" type="datetime1">
               <a:rPr lang="en-US" smtClean="0"/>
-              <a:t>7/25/2017</a:t>
+              <a:t>7/26/2017</a:t>
             </a:fld>
             <a:endParaRPr lang="en-US"/>
           </a:p>
@@ -2876,7 +2953,7 @@
           <a:p>
             <a:fld id="{59E8D97A-9C10-4151-8F86-8F2103002488}" type="datetime1">
               <a:rPr lang="en-US" smtClean="0"/>
-              <a:t>7/25/2017</a:t>
+              <a:t>7/26/2017</a:t>
             </a:fld>
             <a:endParaRPr lang="en-US"/>
           </a:p>
@@ -3233,7 +3310,7 @@
           <a:p>
             <a:fld id="{0B181DA9-512C-4860-B2C5-5F18E104804F}" type="datetime1">
               <a:rPr lang="en-US" smtClean="0"/>
-              <a:t>7/25/2017</a:t>
+              <a:t>7/26/2017</a:t>
             </a:fld>
             <a:endParaRPr lang="en-US"/>
           </a:p>
@@ -3590,7 +3667,7 @@
           <a:p>
             <a:fld id="{DB5D8B2A-177D-43ED-B33B-DBDB615709E8}" type="datetime1">
               <a:rPr lang="en-US" smtClean="0"/>
-              <a:t>7/25/2017</a:t>
+              <a:t>7/26/2017</a:t>
             </a:fld>
             <a:endParaRPr lang="en-US"/>
           </a:p>
@@ -3831,7 +3908,7 @@
           <a:p>
             <a:fld id="{0774355D-C6A9-4A3E-BB4B-8D2ABA7F23FC}" type="datetime1">
               <a:rPr lang="en-US" smtClean="0"/>
-              <a:t>7/25/2017</a:t>
+              <a:t>7/26/2017</a:t>
             </a:fld>
             <a:endParaRPr lang="en-US"/>
           </a:p>
@@ -5808,6 +5885,53 @@
           </a:p>
         </p:txBody>
       </p:sp>
+      <p:pic>
+        <p:nvPicPr>
+          <p:cNvPr id="1026" name="Picture 2" descr="http://media.idownloadblog.com/wp-content/uploads/2016/05/Siri-can-i-help-you-with.png">
+            <a:extLst>
+              <a:ext uri="{FF2B5EF4-FFF2-40B4-BE49-F238E27FC236}">
+                <a16:creationId xmlns:a16="http://schemas.microsoft.com/office/drawing/2014/main" id="{55149E53-FCEB-4059-B148-AE882EABF201}"/>
+              </a:ext>
+            </a:extLst>
+          </p:cNvPr>
+          <p:cNvPicPr>
+            <a:picLocks noChangeAspect="1" noChangeArrowheads="1"/>
+          </p:cNvPicPr>
+          <p:nvPr/>
+        </p:nvPicPr>
+        <p:blipFill>
+          <a:blip r:embed="rId4">
+            <a:extLst>
+              <a:ext uri="{28A0092B-C50C-407E-A947-70E740481C1C}">
+                <a14:useLocalDpi xmlns:a14="http://schemas.microsoft.com/office/drawing/2010/main" val="0"/>
+              </a:ext>
+            </a:extLst>
+          </a:blip>
+          <a:srcRect/>
+          <a:stretch>
+            <a:fillRect/>
+          </a:stretch>
+        </p:blipFill>
+        <p:spPr bwMode="auto">
+          <a:xfrm>
+            <a:off x="2269180" y="5069960"/>
+            <a:ext cx="2357684" cy="1130637"/>
+          </a:xfrm>
+          <a:prstGeom prst="rect">
+            <a:avLst/>
+          </a:prstGeom>
+          <a:noFill/>
+          <a:extLst>
+            <a:ext uri="{909E8E84-426E-40DD-AFC4-6F175D3DCCD1}">
+              <a14:hiddenFill xmlns:a14="http://schemas.microsoft.com/office/drawing/2010/main">
+                <a:solidFill>
+                  <a:srgbClr val="FFFFFF"/>
+                </a:solidFill>
+              </a14:hiddenFill>
+            </a:ext>
+          </a:extLst>
+        </p:spPr>
+      </p:pic>
     </p:spTree>
     <p:extLst>
       <p:ext uri="{BB962C8B-B14F-4D97-AF65-F5344CB8AC3E}">

--- a/1-1 Introduction to Web App.pptx
+++ b/1-1 Introduction to Web App.pptx
@@ -205,7 +205,7 @@
           <a:p>
             <a:fld id="{24D9C2C1-1AE5-400D-A5EB-066F8CD0193A}" type="datetimeFigureOut">
               <a:rPr lang="en-US" smtClean="0"/>
-              <a:t>7/26/2017</a:t>
+              <a:t>7/27/2017</a:t>
             </a:fld>
             <a:endParaRPr lang="en-US"/>
           </a:p>
@@ -518,50 +518,9 @@
           <a:lstStyle/>
           <a:p>
             <a:r>
-              <a:rPr lang="en-GB" dirty="0" err="1"/>
-              <a:t>Hola</a:t>
-            </a:r>
-            <a:r>
-              <a:rPr lang="en-GB" dirty="0"/>
-              <a:t>,</a:t>
-            </a:r>
-          </a:p>
-          <a:p>
-            <a:r>
-              <a:rPr lang="en-GB" dirty="0" err="1"/>
-              <a:t>Yo</a:t>
-            </a:r>
-            <a:r>
-              <a:rPr lang="en-GB" dirty="0"/>
-              <a:t> soy </a:t>
-            </a:r>
-            <a:r>
-              <a:rPr lang="en-GB" dirty="0" err="1"/>
-              <a:t>Yestin</a:t>
-            </a:r>
-            <a:r>
-              <a:rPr lang="en-GB" dirty="0"/>
-              <a:t>.</a:t>
-            </a:r>
-          </a:p>
-          <a:p>
-            <a:r>
               <a:rPr lang="es-ES" dirty="0"/>
-              <a:t>Este curso será en inglés, (This course will be in English,)</a:t>
-            </a:r>
-          </a:p>
-          <a:p>
-            <a:r>
-              <a:rPr lang="es-ES" dirty="0"/>
-              <a:t>por qué puedo hablar español poco. (because I can speak spanish little.)</a:t>
-            </a:r>
-          </a:p>
-          <a:p>
-            <a:r>
-              <a:rPr lang="es-ES" dirty="0"/>
-              <a:t>¿Está bien? (Is it OK?)</a:t>
-            </a:r>
-            <a:endParaRPr lang="en-GB" dirty="0"/>
+              <a:t>This course will be in English, </a:t>
+            </a:r>
           </a:p>
           <a:p>
             <a:r>
@@ -1333,7 +1292,7 @@
           <a:p>
             <a:fld id="{28228D27-3615-4DD6-AB3B-3F69A363CBB9}" type="datetime1">
               <a:rPr lang="en-US" smtClean="0"/>
-              <a:t>7/26/2017</a:t>
+              <a:t>7/27/2017</a:t>
             </a:fld>
             <a:endParaRPr lang="en-US"/>
           </a:p>
@@ -1508,7 +1467,7 @@
           <a:p>
             <a:fld id="{E8F888A4-2EAE-499D-9024-D0FD39BFCCA3}" type="datetime1">
               <a:rPr lang="en-US" smtClean="0"/>
-              <a:t>7/26/2017</a:t>
+              <a:t>7/27/2017</a:t>
             </a:fld>
             <a:endParaRPr lang="en-US"/>
           </a:p>
@@ -1688,7 +1647,7 @@
           <a:p>
             <a:fld id="{7CB4C293-641D-4945-8A11-39FA73448135}" type="datetime1">
               <a:rPr lang="en-US" smtClean="0"/>
-              <a:t>7/26/2017</a:t>
+              <a:t>7/27/2017</a:t>
             </a:fld>
             <a:endParaRPr lang="en-US"/>
           </a:p>
@@ -1858,7 +1817,7 @@
           <a:p>
             <a:fld id="{C3A02A82-34B0-484A-B225-08FB9180F46A}" type="datetime1">
               <a:rPr lang="en-US" smtClean="0"/>
-              <a:t>7/26/2017</a:t>
+              <a:t>7/27/2017</a:t>
             </a:fld>
             <a:endParaRPr lang="en-US"/>
           </a:p>
@@ -2126,7 +2085,7 @@
           <a:p>
             <a:fld id="{76EAB44F-F4A9-4FE2-B11F-A4F6B958B9F5}" type="datetime1">
               <a:rPr lang="en-US" smtClean="0"/>
-              <a:t>7/26/2017</a:t>
+              <a:t>7/27/2017</a:t>
             </a:fld>
             <a:endParaRPr lang="en-US"/>
           </a:p>
@@ -2358,7 +2317,7 @@
           <a:p>
             <a:fld id="{98FD99AF-411D-4C2C-BAC2-FFFB6B8FDB7C}" type="datetime1">
               <a:rPr lang="en-US" smtClean="0"/>
-              <a:t>7/26/2017</a:t>
+              <a:t>7/27/2017</a:t>
             </a:fld>
             <a:endParaRPr lang="en-US"/>
           </a:p>
@@ -2717,7 +2676,7 @@
           <a:p>
             <a:fld id="{C60FA464-8AD1-459E-9F09-15FC0EFB5661}" type="datetime1">
               <a:rPr lang="en-US" smtClean="0"/>
-              <a:t>7/26/2017</a:t>
+              <a:t>7/27/2017</a:t>
             </a:fld>
             <a:endParaRPr lang="en-US"/>
           </a:p>
@@ -2858,7 +2817,7 @@
           <a:p>
             <a:fld id="{739C9D4E-1E01-4F66-9F1E-9A5324C65EF3}" type="datetime1">
               <a:rPr lang="en-US" smtClean="0"/>
-              <a:t>7/26/2017</a:t>
+              <a:t>7/27/2017</a:t>
             </a:fld>
             <a:endParaRPr lang="en-US"/>
           </a:p>
@@ -2953,7 +2912,7 @@
           <a:p>
             <a:fld id="{59E8D97A-9C10-4151-8F86-8F2103002488}" type="datetime1">
               <a:rPr lang="en-US" smtClean="0"/>
-              <a:t>7/26/2017</a:t>
+              <a:t>7/27/2017</a:t>
             </a:fld>
             <a:endParaRPr lang="en-US"/>
           </a:p>
@@ -3310,7 +3269,7 @@
           <a:p>
             <a:fld id="{0B181DA9-512C-4860-B2C5-5F18E104804F}" type="datetime1">
               <a:rPr lang="en-US" smtClean="0"/>
-              <a:t>7/26/2017</a:t>
+              <a:t>7/27/2017</a:t>
             </a:fld>
             <a:endParaRPr lang="en-US"/>
           </a:p>
@@ -3667,7 +3626,7 @@
           <a:p>
             <a:fld id="{DB5D8B2A-177D-43ED-B33B-DBDB615709E8}" type="datetime1">
               <a:rPr lang="en-US" smtClean="0"/>
-              <a:t>7/26/2017</a:t>
+              <a:t>7/27/2017</a:t>
             </a:fld>
             <a:endParaRPr lang="en-US"/>
           </a:p>
@@ -3908,7 +3867,7 @@
           <a:p>
             <a:fld id="{0774355D-C6A9-4A3E-BB4B-8D2ABA7F23FC}" type="datetime1">
               <a:rPr lang="en-US" smtClean="0"/>
-              <a:t>7/26/2017</a:t>
+              <a:t>7/27/2017</a:t>
             </a:fld>
             <a:endParaRPr lang="en-US"/>
           </a:p>
@@ -4466,6 +4425,74 @@
               <a:t>1</a:t>
             </a:fld>
             <a:endParaRPr lang="en-US" dirty="0"/>
+          </a:p>
+        </p:txBody>
+      </p:sp>
+      <p:sp>
+        <p:nvSpPr>
+          <p:cNvPr id="4" name="직사각형 3">
+            <a:extLst>
+              <a:ext uri="{FF2B5EF4-FFF2-40B4-BE49-F238E27FC236}">
+                <a16:creationId xmlns:a16="http://schemas.microsoft.com/office/drawing/2014/main" id="{7C28BB26-CA83-43D6-B3F4-2EBD08363244}"/>
+              </a:ext>
+            </a:extLst>
+          </p:cNvPr>
+          <p:cNvSpPr/>
+          <p:nvPr/>
+        </p:nvSpPr>
+        <p:spPr>
+          <a:xfrm>
+            <a:off x="9699485" y="254949"/>
+            <a:ext cx="2187715" cy="369332"/>
+          </a:xfrm>
+          <a:prstGeom prst="rect">
+            <a:avLst/>
+          </a:prstGeom>
+        </p:spPr>
+        <p:txBody>
+          <a:bodyPr wrap="none">
+            <a:spAutoFit/>
+          </a:bodyPr>
+          <a:lstStyle/>
+          <a:p>
+            <a:r>
+              <a:rPr lang="en-US" dirty="0"/>
+              <a:t>pabcy.wordpress.com</a:t>
+            </a:r>
+          </a:p>
+        </p:txBody>
+      </p:sp>
+      <p:sp>
+        <p:nvSpPr>
+          <p:cNvPr id="6" name="직사각형 5">
+            <a:extLst>
+              <a:ext uri="{FF2B5EF4-FFF2-40B4-BE49-F238E27FC236}">
+                <a16:creationId xmlns:a16="http://schemas.microsoft.com/office/drawing/2014/main" id="{38445302-F9E6-4056-BDE6-FE7A4403CBE6}"/>
+              </a:ext>
+            </a:extLst>
+          </p:cNvPr>
+          <p:cNvSpPr/>
+          <p:nvPr/>
+        </p:nvSpPr>
+        <p:spPr>
+          <a:xfrm>
+            <a:off x="8417664" y="254949"/>
+            <a:ext cx="1079142" cy="369332"/>
+          </a:xfrm>
+          <a:prstGeom prst="rect">
+            <a:avLst/>
+          </a:prstGeom>
+        </p:spPr>
+        <p:txBody>
+          <a:bodyPr wrap="none">
+            <a:spAutoFit/>
+          </a:bodyPr>
+          <a:lstStyle/>
+          <a:p>
+            <a:r>
+              <a:rPr lang="en-US" dirty="0"/>
+              <a:t>materials:</a:t>
+            </a:r>
           </a:p>
         </p:txBody>
       </p:sp>

--- a/1-1 Introduction to Web App.pptx
+++ b/1-1 Introduction to Web App.pptx
@@ -205,7 +205,7 @@
           <a:p>
             <a:fld id="{24D9C2C1-1AE5-400D-A5EB-066F8CD0193A}" type="datetimeFigureOut">
               <a:rPr lang="en-US" smtClean="0"/>
-              <a:t>7/27/2017</a:t>
+              <a:t>7/31/2017</a:t>
             </a:fld>
             <a:endParaRPr lang="en-US"/>
           </a:p>
@@ -531,7 +531,7 @@
           <a:p>
             <a:r>
               <a:rPr lang="en-GB" dirty="0"/>
-              <a:t>From today, I will tech you how to …</a:t>
+              <a:t>From today, I will teach you how to …</a:t>
             </a:r>
           </a:p>
           <a:p>
@@ -571,6 +571,23 @@
             </a:r>
           </a:p>
           <a:p>
+            <a:pPr marL="0" marR="0" lvl="0" indent="0" algn="l" defTabSz="914400" rtl="0" eaLnBrk="1" fontAlgn="auto" latinLnBrk="0" hangingPunct="1">
+              <a:lnSpc>
+                <a:spcPct val="100000"/>
+              </a:lnSpc>
+              <a:spcBef>
+                <a:spcPts val="0"/>
+              </a:spcBef>
+              <a:spcAft>
+                <a:spcPts val="0"/>
+              </a:spcAft>
+              <a:buClrTx/>
+              <a:buSzTx/>
+              <a:buFontTx/>
+              <a:buNone/>
+              <a:tabLst/>
+              <a:defRPr/>
+            </a:pPr>
             <a:r>
               <a:rPr lang="en-US" dirty="0" err="1"/>
               <a:t>ChatBot</a:t>
@@ -581,10 +598,30 @@
             </a:r>
           </a:p>
           <a:p>
+            <a:pPr marL="0" marR="0" lvl="0" indent="0" algn="l" defTabSz="914400" rtl="0" eaLnBrk="1" fontAlgn="auto" latinLnBrk="0" hangingPunct="1">
+              <a:lnSpc>
+                <a:spcPct val="100000"/>
+              </a:lnSpc>
+              <a:spcBef>
+                <a:spcPts val="0"/>
+              </a:spcBef>
+              <a:spcAft>
+                <a:spcPts val="0"/>
+              </a:spcAft>
+              <a:buClrTx/>
+              <a:buSzTx/>
+              <a:buFontTx/>
+              <a:buNone/>
+              <a:tabLst/>
+              <a:defRPr/>
+            </a:pPr>
             <a:r>
               <a:rPr lang="en-US" dirty="0"/>
               <a:t>You may don’t know what is Web app, but I believe you already knew what is the Internet.</a:t>
             </a:r>
+          </a:p>
+          <a:p>
+            <a:endParaRPr lang="en-US" dirty="0"/>
           </a:p>
         </p:txBody>
       </p:sp>
@@ -1292,7 +1329,7 @@
           <a:p>
             <a:fld id="{28228D27-3615-4DD6-AB3B-3F69A363CBB9}" type="datetime1">
               <a:rPr lang="en-US" smtClean="0"/>
-              <a:t>7/27/2017</a:t>
+              <a:t>7/31/2017</a:t>
             </a:fld>
             <a:endParaRPr lang="en-US"/>
           </a:p>
@@ -1467,7 +1504,7 @@
           <a:p>
             <a:fld id="{E8F888A4-2EAE-499D-9024-D0FD39BFCCA3}" type="datetime1">
               <a:rPr lang="en-US" smtClean="0"/>
-              <a:t>7/27/2017</a:t>
+              <a:t>7/31/2017</a:t>
             </a:fld>
             <a:endParaRPr lang="en-US"/>
           </a:p>
@@ -1647,7 +1684,7 @@
           <a:p>
             <a:fld id="{7CB4C293-641D-4945-8A11-39FA73448135}" type="datetime1">
               <a:rPr lang="en-US" smtClean="0"/>
-              <a:t>7/27/2017</a:t>
+              <a:t>7/31/2017</a:t>
             </a:fld>
             <a:endParaRPr lang="en-US"/>
           </a:p>
@@ -1817,7 +1854,7 @@
           <a:p>
             <a:fld id="{C3A02A82-34B0-484A-B225-08FB9180F46A}" type="datetime1">
               <a:rPr lang="en-US" smtClean="0"/>
-              <a:t>7/27/2017</a:t>
+              <a:t>7/31/2017</a:t>
             </a:fld>
             <a:endParaRPr lang="en-US"/>
           </a:p>
@@ -2085,7 +2122,7 @@
           <a:p>
             <a:fld id="{76EAB44F-F4A9-4FE2-B11F-A4F6B958B9F5}" type="datetime1">
               <a:rPr lang="en-US" smtClean="0"/>
-              <a:t>7/27/2017</a:t>
+              <a:t>7/31/2017</a:t>
             </a:fld>
             <a:endParaRPr lang="en-US"/>
           </a:p>
@@ -2317,7 +2354,7 @@
           <a:p>
             <a:fld id="{98FD99AF-411D-4C2C-BAC2-FFFB6B8FDB7C}" type="datetime1">
               <a:rPr lang="en-US" smtClean="0"/>
-              <a:t>7/27/2017</a:t>
+              <a:t>7/31/2017</a:t>
             </a:fld>
             <a:endParaRPr lang="en-US"/>
           </a:p>
@@ -2676,7 +2713,7 @@
           <a:p>
             <a:fld id="{C60FA464-8AD1-459E-9F09-15FC0EFB5661}" type="datetime1">
               <a:rPr lang="en-US" smtClean="0"/>
-              <a:t>7/27/2017</a:t>
+              <a:t>7/31/2017</a:t>
             </a:fld>
             <a:endParaRPr lang="en-US"/>
           </a:p>
@@ -2817,7 +2854,7 @@
           <a:p>
             <a:fld id="{739C9D4E-1E01-4F66-9F1E-9A5324C65EF3}" type="datetime1">
               <a:rPr lang="en-US" smtClean="0"/>
-              <a:t>7/27/2017</a:t>
+              <a:t>7/31/2017</a:t>
             </a:fld>
             <a:endParaRPr lang="en-US"/>
           </a:p>
@@ -2912,7 +2949,7 @@
           <a:p>
             <a:fld id="{59E8D97A-9C10-4151-8F86-8F2103002488}" type="datetime1">
               <a:rPr lang="en-US" smtClean="0"/>
-              <a:t>7/27/2017</a:t>
+              <a:t>7/31/2017</a:t>
             </a:fld>
             <a:endParaRPr lang="en-US"/>
           </a:p>
@@ -3269,7 +3306,7 @@
           <a:p>
             <a:fld id="{0B181DA9-512C-4860-B2C5-5F18E104804F}" type="datetime1">
               <a:rPr lang="en-US" smtClean="0"/>
-              <a:t>7/27/2017</a:t>
+              <a:t>7/31/2017</a:t>
             </a:fld>
             <a:endParaRPr lang="en-US"/>
           </a:p>
@@ -3626,7 +3663,7 @@
           <a:p>
             <a:fld id="{DB5D8B2A-177D-43ED-B33B-DBDB615709E8}" type="datetime1">
               <a:rPr lang="en-US" smtClean="0"/>
-              <a:t>7/27/2017</a:t>
+              <a:t>7/31/2017</a:t>
             </a:fld>
             <a:endParaRPr lang="en-US"/>
           </a:p>
@@ -3867,7 +3904,7 @@
           <a:p>
             <a:fld id="{0774355D-C6A9-4A3E-BB4B-8D2ABA7F23FC}" type="datetime1">
               <a:rPr lang="en-US" smtClean="0"/>
-              <a:t>7/27/2017</a:t>
+              <a:t>7/31/2017</a:t>
             </a:fld>
             <a:endParaRPr lang="en-US"/>
           </a:p>

--- a/1-1 Introduction to Web App.pptx
+++ b/1-1 Introduction to Web App.pptx
@@ -205,7 +205,7 @@
           <a:p>
             <a:fld id="{24D9C2C1-1AE5-400D-A5EB-066F8CD0193A}" type="datetimeFigureOut">
               <a:rPr lang="en-US" smtClean="0"/>
-              <a:t>7/31/2017</a:t>
+              <a:t>8/1/2017</a:t>
             </a:fld>
             <a:endParaRPr lang="en-US"/>
           </a:p>
@@ -1329,7 +1329,7 @@
           <a:p>
             <a:fld id="{28228D27-3615-4DD6-AB3B-3F69A363CBB9}" type="datetime1">
               <a:rPr lang="en-US" smtClean="0"/>
-              <a:t>7/31/2017</a:t>
+              <a:t>8/1/2017</a:t>
             </a:fld>
             <a:endParaRPr lang="en-US"/>
           </a:p>
@@ -1504,7 +1504,7 @@
           <a:p>
             <a:fld id="{E8F888A4-2EAE-499D-9024-D0FD39BFCCA3}" type="datetime1">
               <a:rPr lang="en-US" smtClean="0"/>
-              <a:t>7/31/2017</a:t>
+              <a:t>8/1/2017</a:t>
             </a:fld>
             <a:endParaRPr lang="en-US"/>
           </a:p>
@@ -1684,7 +1684,7 @@
           <a:p>
             <a:fld id="{7CB4C293-641D-4945-8A11-39FA73448135}" type="datetime1">
               <a:rPr lang="en-US" smtClean="0"/>
-              <a:t>7/31/2017</a:t>
+              <a:t>8/1/2017</a:t>
             </a:fld>
             <a:endParaRPr lang="en-US"/>
           </a:p>
@@ -1854,7 +1854,7 @@
           <a:p>
             <a:fld id="{C3A02A82-34B0-484A-B225-08FB9180F46A}" type="datetime1">
               <a:rPr lang="en-US" smtClean="0"/>
-              <a:t>7/31/2017</a:t>
+              <a:t>8/1/2017</a:t>
             </a:fld>
             <a:endParaRPr lang="en-US"/>
           </a:p>
@@ -2122,7 +2122,7 @@
           <a:p>
             <a:fld id="{76EAB44F-F4A9-4FE2-B11F-A4F6B958B9F5}" type="datetime1">
               <a:rPr lang="en-US" smtClean="0"/>
-              <a:t>7/31/2017</a:t>
+              <a:t>8/1/2017</a:t>
             </a:fld>
             <a:endParaRPr lang="en-US"/>
           </a:p>
@@ -2354,7 +2354,7 @@
           <a:p>
             <a:fld id="{98FD99AF-411D-4C2C-BAC2-FFFB6B8FDB7C}" type="datetime1">
               <a:rPr lang="en-US" smtClean="0"/>
-              <a:t>7/31/2017</a:t>
+              <a:t>8/1/2017</a:t>
             </a:fld>
             <a:endParaRPr lang="en-US"/>
           </a:p>
@@ -2713,7 +2713,7 @@
           <a:p>
             <a:fld id="{C60FA464-8AD1-459E-9F09-15FC0EFB5661}" type="datetime1">
               <a:rPr lang="en-US" smtClean="0"/>
-              <a:t>7/31/2017</a:t>
+              <a:t>8/1/2017</a:t>
             </a:fld>
             <a:endParaRPr lang="en-US"/>
           </a:p>
@@ -2854,7 +2854,7 @@
           <a:p>
             <a:fld id="{739C9D4E-1E01-4F66-9F1E-9A5324C65EF3}" type="datetime1">
               <a:rPr lang="en-US" smtClean="0"/>
-              <a:t>7/31/2017</a:t>
+              <a:t>8/1/2017</a:t>
             </a:fld>
             <a:endParaRPr lang="en-US"/>
           </a:p>
@@ -2949,7 +2949,7 @@
           <a:p>
             <a:fld id="{59E8D97A-9C10-4151-8F86-8F2103002488}" type="datetime1">
               <a:rPr lang="en-US" smtClean="0"/>
-              <a:t>7/31/2017</a:t>
+              <a:t>8/1/2017</a:t>
             </a:fld>
             <a:endParaRPr lang="en-US"/>
           </a:p>
@@ -3306,7 +3306,7 @@
           <a:p>
             <a:fld id="{0B181DA9-512C-4860-B2C5-5F18E104804F}" type="datetime1">
               <a:rPr lang="en-US" smtClean="0"/>
-              <a:t>7/31/2017</a:t>
+              <a:t>8/1/2017</a:t>
             </a:fld>
             <a:endParaRPr lang="en-US"/>
           </a:p>
@@ -3663,7 +3663,7 @@
           <a:p>
             <a:fld id="{DB5D8B2A-177D-43ED-B33B-DBDB615709E8}" type="datetime1">
               <a:rPr lang="en-US" smtClean="0"/>
-              <a:t>7/31/2017</a:t>
+              <a:t>8/1/2017</a:t>
             </a:fld>
             <a:endParaRPr lang="en-US"/>
           </a:p>
@@ -3904,7 +3904,7 @@
           <a:p>
             <a:fld id="{0774355D-C6A9-4A3E-BB4B-8D2ABA7F23FC}" type="datetime1">
               <a:rPr lang="en-US" smtClean="0"/>
-              <a:t>7/31/2017</a:t>
+              <a:t>8/1/2017</a:t>
             </a:fld>
             <a:endParaRPr lang="en-US"/>
           </a:p>
